--- a/document/ChicLighting.pptx
+++ b/document/ChicLighting.pptx
@@ -12,9 +12,10 @@
     <p:sldId id="260" r:id="rId6"/>
     <p:sldId id="261" r:id="rId7"/>
     <p:sldId id="262" r:id="rId8"/>
-    <p:sldId id="263" r:id="rId9"/>
-    <p:sldId id="264" r:id="rId10"/>
-    <p:sldId id="265" r:id="rId11"/>
+    <p:sldId id="266" r:id="rId9"/>
+    <p:sldId id="263" r:id="rId10"/>
+    <p:sldId id="264" r:id="rId11"/>
+    <p:sldId id="265" r:id="rId12"/>
   </p:sldIdLst>
   <p:sldSz cx="12192000" cy="6858000"/>
   <p:notesSz cx="6858000" cy="9144000"/>
@@ -350,7 +351,7 @@
           <a:p>
             <a:fld id="{4A600605-9300-4850-BC44-240DD36A6CCD}" type="datetimeFigureOut">
               <a:rPr lang="en-GB" smtClean="0"/>
-              <a:t>18/09/2022</a:t>
+              <a:t>20/09/2022</a:t>
             </a:fld>
             <a:endParaRPr lang="en-GB"/>
           </a:p>
@@ -684,7 +685,7 @@
           <a:p>
             <a:fld id="{4A600605-9300-4850-BC44-240DD36A6CCD}" type="datetimeFigureOut">
               <a:rPr lang="en-GB" smtClean="0"/>
-              <a:t>18/09/2022</a:t>
+              <a:t>20/09/2022</a:t>
             </a:fld>
             <a:endParaRPr lang="en-GB"/>
           </a:p>
@@ -962,7 +963,7 @@
           <a:p>
             <a:fld id="{4A600605-9300-4850-BC44-240DD36A6CCD}" type="datetimeFigureOut">
               <a:rPr lang="en-GB" smtClean="0"/>
-              <a:t>18/09/2022</a:t>
+              <a:t>20/09/2022</a:t>
             </a:fld>
             <a:endParaRPr lang="en-GB"/>
           </a:p>
@@ -1530,7 +1531,7 @@
           <a:p>
             <a:fld id="{4A600605-9300-4850-BC44-240DD36A6CCD}" type="datetimeFigureOut">
               <a:rPr lang="en-GB" smtClean="0"/>
-              <a:t>18/09/2022</a:t>
+              <a:t>20/09/2022</a:t>
             </a:fld>
             <a:endParaRPr lang="en-GB"/>
           </a:p>
@@ -1808,7 +1809,7 @@
           <a:p>
             <a:fld id="{4A600605-9300-4850-BC44-240DD36A6CCD}" type="datetimeFigureOut">
               <a:rPr lang="en-GB" smtClean="0"/>
-              <a:t>18/09/2022</a:t>
+              <a:t>20/09/2022</a:t>
             </a:fld>
             <a:endParaRPr lang="en-GB"/>
           </a:p>
@@ -2370,7 +2371,7 @@
           <a:p>
             <a:fld id="{4A600605-9300-4850-BC44-240DD36A6CCD}" type="datetimeFigureOut">
               <a:rPr lang="en-GB" smtClean="0"/>
-              <a:t>18/09/2022</a:t>
+              <a:t>20/09/2022</a:t>
             </a:fld>
             <a:endParaRPr lang="en-GB"/>
           </a:p>
@@ -2697,7 +2698,7 @@
           <a:p>
             <a:fld id="{4A600605-9300-4850-BC44-240DD36A6CCD}" type="datetimeFigureOut">
               <a:rPr lang="en-GB" smtClean="0"/>
-              <a:t>18/09/2022</a:t>
+              <a:t>20/09/2022</a:t>
             </a:fld>
             <a:endParaRPr lang="en-GB"/>
           </a:p>
@@ -2874,7 +2875,7 @@
           <a:p>
             <a:fld id="{4A600605-9300-4850-BC44-240DD36A6CCD}" type="datetimeFigureOut">
               <a:rPr lang="en-GB" smtClean="0"/>
-              <a:t>18/09/2022</a:t>
+              <a:t>20/09/2022</a:t>
             </a:fld>
             <a:endParaRPr lang="en-GB"/>
           </a:p>
@@ -3112,7 +3113,7 @@
           <a:p>
             <a:fld id="{4A600605-9300-4850-BC44-240DD36A6CCD}" type="datetimeFigureOut">
               <a:rPr lang="en-GB" smtClean="0"/>
-              <a:t>18/09/2022</a:t>
+              <a:t>20/09/2022</a:t>
             </a:fld>
             <a:endParaRPr lang="en-GB"/>
           </a:p>
@@ -3312,7 +3313,7 @@
           <a:p>
             <a:fld id="{4A600605-9300-4850-BC44-240DD36A6CCD}" type="datetimeFigureOut">
               <a:rPr lang="en-GB" smtClean="0"/>
-              <a:t>18/09/2022</a:t>
+              <a:t>20/09/2022</a:t>
             </a:fld>
             <a:endParaRPr lang="en-GB"/>
           </a:p>
@@ -3588,7 +3589,7 @@
           <a:p>
             <a:fld id="{4A600605-9300-4850-BC44-240DD36A6CCD}" type="datetimeFigureOut">
               <a:rPr lang="en-GB" smtClean="0"/>
-              <a:t>18/09/2022</a:t>
+              <a:t>20/09/2022</a:t>
             </a:fld>
             <a:endParaRPr lang="en-GB"/>
           </a:p>
@@ -3854,7 +3855,7 @@
           <a:p>
             <a:fld id="{4A600605-9300-4850-BC44-240DD36A6CCD}" type="datetimeFigureOut">
               <a:rPr lang="en-GB" smtClean="0"/>
-              <a:t>18/09/2022</a:t>
+              <a:t>20/09/2022</a:t>
             </a:fld>
             <a:endParaRPr lang="en-GB"/>
           </a:p>
@@ -4228,7 +4229,7 @@
           <a:p>
             <a:fld id="{4A600605-9300-4850-BC44-240DD36A6CCD}" type="datetimeFigureOut">
               <a:rPr lang="en-GB" smtClean="0"/>
-              <a:t>18/09/2022</a:t>
+              <a:t>20/09/2022</a:t>
             </a:fld>
             <a:endParaRPr lang="en-GB"/>
           </a:p>
@@ -4376,7 +4377,7 @@
           <a:p>
             <a:fld id="{4A600605-9300-4850-BC44-240DD36A6CCD}" type="datetimeFigureOut">
               <a:rPr lang="en-GB" smtClean="0"/>
-              <a:t>18/09/2022</a:t>
+              <a:t>20/09/2022</a:t>
             </a:fld>
             <a:endParaRPr lang="en-GB"/>
           </a:p>
@@ -4501,7 +4502,7 @@
           <a:p>
             <a:fld id="{4A600605-9300-4850-BC44-240DD36A6CCD}" type="datetimeFigureOut">
               <a:rPr lang="en-GB" smtClean="0"/>
-              <a:t>18/09/2022</a:t>
+              <a:t>20/09/2022</a:t>
             </a:fld>
             <a:endParaRPr lang="en-GB"/>
           </a:p>
@@ -4786,7 +4787,7 @@
           <a:p>
             <a:fld id="{4A600605-9300-4850-BC44-240DD36A6CCD}" type="datetimeFigureOut">
               <a:rPr lang="en-GB" smtClean="0"/>
-              <a:t>18/09/2022</a:t>
+              <a:t>20/09/2022</a:t>
             </a:fld>
             <a:endParaRPr lang="en-GB"/>
           </a:p>
@@ -5110,7 +5111,7 @@
           <a:p>
             <a:fld id="{4A600605-9300-4850-BC44-240DD36A6CCD}" type="datetimeFigureOut">
               <a:rPr lang="en-GB" smtClean="0"/>
-              <a:t>18/09/2022</a:t>
+              <a:t>20/09/2022</a:t>
             </a:fld>
             <a:endParaRPr lang="en-GB"/>
           </a:p>
@@ -5324,7 +5325,7 @@
           <a:p>
             <a:fld id="{4A600605-9300-4850-BC44-240DD36A6CCD}" type="datetimeFigureOut">
               <a:rPr lang="en-GB" smtClean="0"/>
-              <a:t>18/09/2022</a:t>
+              <a:t>20/09/2022</a:t>
             </a:fld>
             <a:endParaRPr lang="en-GB"/>
           </a:p>
@@ -6109,6 +6110,86 @@
           <p:cNvPr id="5" name="TextBox 4">
             <a:extLst>
               <a:ext uri="{FF2B5EF4-FFF2-40B4-BE49-F238E27FC236}">
+                <a16:creationId xmlns:a16="http://schemas.microsoft.com/office/drawing/2014/main" id="{B74F7656-EFDB-3AFB-0523-56EBD4FAA270}"/>
+              </a:ext>
+            </a:extLst>
+          </p:cNvPr>
+          <p:cNvSpPr txBox="1"/>
+          <p:nvPr/>
+        </p:nvSpPr>
+        <p:spPr>
+          <a:xfrm>
+            <a:off x="3046828" y="2644170"/>
+            <a:ext cx="6098344" cy="1569660"/>
+          </a:xfrm>
+          <a:prstGeom prst="rect">
+            <a:avLst/>
+          </a:prstGeom>
+          <a:noFill/>
+        </p:spPr>
+        <p:txBody>
+          <a:bodyPr wrap="square">
+            <a:spAutoFit/>
+          </a:bodyPr>
+          <a:lstStyle/>
+          <a:p>
+            <a:pPr marL="0" indent="0" algn="ctr">
+              <a:buNone/>
+            </a:pPr>
+            <a:r>
+              <a:rPr lang="en-US" sz="9600" dirty="0"/>
+              <a:t>Q&amp;A</a:t>
+            </a:r>
+          </a:p>
+        </p:txBody>
+      </p:sp>
+    </p:spTree>
+    <p:extLst>
+      <p:ext uri="{BB962C8B-B14F-4D97-AF65-F5344CB8AC3E}">
+        <p14:creationId xmlns:p14="http://schemas.microsoft.com/office/powerpoint/2010/main" val="1056517732"/>
+      </p:ext>
+    </p:extLst>
+  </p:cSld>
+  <p:clrMapOvr>
+    <a:masterClrMapping/>
+  </p:clrMapOvr>
+  <mc:AlternateContent xmlns:mc="http://schemas.openxmlformats.org/markup-compatibility/2006" xmlns:p14="http://schemas.microsoft.com/office/powerpoint/2010/main">
+    <mc:Choice Requires="p14">
+      <p:transition spd="med" p14:dur="700">
+        <p:fade/>
+      </p:transition>
+    </mc:Choice>
+    <mc:Fallback xmlns="">
+      <p:transition spd="med">
+        <p:fade/>
+      </p:transition>
+    </mc:Fallback>
+  </mc:AlternateContent>
+</p:sld>
+</file>
+
+<file path=ppt/slides/slide11.xml><?xml version="1.0" encoding="utf-8"?>
+<p:sld xmlns:a="http://schemas.openxmlformats.org/drawingml/2006/main" xmlns:r="http://schemas.openxmlformats.org/officeDocument/2006/relationships" xmlns:p="http://schemas.openxmlformats.org/presentationml/2006/main">
+  <p:cSld>
+    <p:spTree>
+      <p:nvGrpSpPr>
+        <p:cNvPr id="1" name=""/>
+        <p:cNvGrpSpPr/>
+        <p:nvPr/>
+      </p:nvGrpSpPr>
+      <p:grpSpPr>
+        <a:xfrm>
+          <a:off x="0" y="0"/>
+          <a:ext cx="0" cy="0"/>
+          <a:chOff x="0" y="0"/>
+          <a:chExt cx="0" cy="0"/>
+        </a:xfrm>
+      </p:grpSpPr>
+      <p:sp>
+        <p:nvSpPr>
+          <p:cNvPr id="5" name="TextBox 4">
+            <a:extLst>
+              <a:ext uri="{FF2B5EF4-FFF2-40B4-BE49-F238E27FC236}">
                 <a16:creationId xmlns:a16="http://schemas.microsoft.com/office/drawing/2014/main" id="{B78E1ECE-9C48-3188-5360-DD46B06C1BB7}"/>
               </a:ext>
             </a:extLst>
@@ -6957,8 +7038,8 @@
         </p:nvSpPr>
         <p:spPr>
           <a:xfrm>
-            <a:off x="984738" y="2007295"/>
-            <a:ext cx="5111262" cy="3358483"/>
+            <a:off x="0" y="1987007"/>
+            <a:ext cx="3750365" cy="2611164"/>
           </a:xfrm>
           <a:prstGeom prst="rect">
             <a:avLst/>
@@ -6983,7 +7064,7 @@
               </a:spcAft>
             </a:pPr>
             <a:r>
-              <a:rPr lang="en-GB" sz="3200" dirty="0">
+              <a:rPr lang="en-GB" sz="2400" dirty="0">
                 <a:effectLst/>
                 <a:latin typeface="Gill Sans MT (Body)"/>
                 <a:ea typeface="Times New Roman" panose="02020603050405020304" pitchFamily="18" charset="0"/>
@@ -6991,7 +7072,7 @@
               </a:rPr>
               <a:t>Unregistered users:</a:t>
             </a:r>
-            <a:endParaRPr lang="en-GB" sz="3200" dirty="0">
+            <a:endParaRPr lang="en-GB" sz="2400" dirty="0">
               <a:effectLst/>
               <a:latin typeface="Gill Sans MT (Body)"/>
               <a:ea typeface="Calibri" panose="020F0502020204030204" pitchFamily="34" charset="0"/>
@@ -7003,7 +7084,7 @@
               <a:buFont typeface="Wingdings" panose="05000000000000000000" pitchFamily="2" charset="2"/>
               <a:buChar char="Ø"/>
             </a:pPr>
-            <a:endParaRPr lang="en-GB" sz="3200" dirty="0">
+            <a:endParaRPr lang="en-GB" sz="2400" dirty="0">
               <a:effectLst/>
               <a:latin typeface="Gill Sans MT (Body)"/>
               <a:ea typeface="Times New Roman" panose="02020603050405020304" pitchFamily="18" charset="0"/>
@@ -7016,7 +7097,7 @@
               <a:buChar char="ü"/>
             </a:pPr>
             <a:r>
-              <a:rPr lang="vi-VN" sz="3200" dirty="0">
+              <a:rPr lang="vi-VN" sz="2400" dirty="0">
                 <a:latin typeface="Gill Sans MT (Body)"/>
                 <a:ea typeface="Times New Roman" panose="02020603050405020304" pitchFamily="18" charset="0"/>
                 <a:cs typeface="Times New Roman" panose="02020603050405020304" pitchFamily="18" charset="0"/>
@@ -7024,7 +7105,7 @@
               <a:t>V</a:t>
             </a:r>
             <a:r>
-              <a:rPr lang="en-GB" sz="3200" dirty="0" err="1">
+              <a:rPr lang="en-GB" sz="2400" dirty="0" err="1">
                 <a:effectLst/>
                 <a:latin typeface="Gill Sans MT (Body)"/>
                 <a:ea typeface="Times New Roman" panose="02020603050405020304" pitchFamily="18" charset="0"/>
@@ -7033,7 +7114,7 @@
               <a:t>isit</a:t>
             </a:r>
             <a:r>
-              <a:rPr lang="en-GB" sz="3200" dirty="0">
+              <a:rPr lang="en-GB" sz="2400" dirty="0">
                 <a:effectLst/>
                 <a:latin typeface="Gill Sans MT (Body)"/>
                 <a:ea typeface="Times New Roman" panose="02020603050405020304" pitchFamily="18" charset="0"/>
@@ -7041,7 +7122,7 @@
               </a:rPr>
               <a:t> homepage</a:t>
             </a:r>
-            <a:endParaRPr lang="en-GB" sz="3200" dirty="0">
+            <a:endParaRPr lang="en-GB" sz="2400" dirty="0">
               <a:effectLst/>
               <a:latin typeface="Gill Sans MT (Body)"/>
               <a:ea typeface="Calibri" panose="020F0502020204030204" pitchFamily="34" charset="0"/>
@@ -7054,7 +7135,7 @@
               <a:buChar char="ü"/>
             </a:pPr>
             <a:r>
-              <a:rPr lang="vi-VN" sz="3200" dirty="0">
+              <a:rPr lang="vi-VN" sz="2400" dirty="0">
                 <a:latin typeface="Gill Sans MT (Body)"/>
                 <a:ea typeface="Times New Roman" panose="02020603050405020304" pitchFamily="18" charset="0"/>
                 <a:cs typeface="Times New Roman" panose="02020603050405020304" pitchFamily="18" charset="0"/>
@@ -7062,7 +7143,7 @@
               <a:t>V</a:t>
             </a:r>
             <a:r>
-              <a:rPr lang="en-GB" sz="3200" dirty="0" err="1">
+              <a:rPr lang="en-GB" sz="2400" dirty="0" err="1">
                 <a:effectLst/>
                 <a:latin typeface="Gill Sans MT (Body)"/>
                 <a:ea typeface="Times New Roman" panose="02020603050405020304" pitchFamily="18" charset="0"/>
@@ -7071,7 +7152,7 @@
               <a:t>isit</a:t>
             </a:r>
             <a:r>
-              <a:rPr lang="en-GB" sz="3200" dirty="0">
+              <a:rPr lang="en-GB" sz="2400" dirty="0">
                 <a:effectLst/>
                 <a:latin typeface="Gill Sans MT (Body)"/>
                 <a:ea typeface="Times New Roman" panose="02020603050405020304" pitchFamily="18" charset="0"/>
@@ -7079,7 +7160,7 @@
               </a:rPr>
               <a:t> the product page</a:t>
             </a:r>
-            <a:endParaRPr lang="en-GB" sz="3200" dirty="0">
+            <a:endParaRPr lang="en-GB" sz="2400" dirty="0">
               <a:effectLst/>
               <a:latin typeface="Gill Sans MT (Body)"/>
               <a:ea typeface="Calibri" panose="020F0502020204030204" pitchFamily="34" charset="0"/>
@@ -7092,7 +7173,7 @@
               <a:buChar char="ü"/>
             </a:pPr>
             <a:r>
-              <a:rPr lang="vi-VN" sz="3200" dirty="0">
+              <a:rPr lang="vi-VN" sz="2400" dirty="0">
                 <a:latin typeface="Gill Sans MT (Body)"/>
                 <a:ea typeface="Times New Roman" panose="02020603050405020304" pitchFamily="18" charset="0"/>
                 <a:cs typeface="Times New Roman" panose="02020603050405020304" pitchFamily="18" charset="0"/>
@@ -7100,7 +7181,7 @@
               <a:t>V</a:t>
             </a:r>
             <a:r>
-              <a:rPr lang="en-GB" sz="3200" dirty="0" err="1">
+              <a:rPr lang="en-GB" sz="2400" dirty="0" err="1">
                 <a:effectLst/>
                 <a:latin typeface="Gill Sans MT (Body)"/>
                 <a:ea typeface="Times New Roman" panose="02020603050405020304" pitchFamily="18" charset="0"/>
@@ -7109,7 +7190,7 @@
               <a:t>isit</a:t>
             </a:r>
             <a:r>
-              <a:rPr lang="en-GB" sz="3200" dirty="0">
+              <a:rPr lang="en-GB" sz="2400" dirty="0">
                 <a:effectLst/>
                 <a:latin typeface="Gill Sans MT (Body)"/>
                 <a:ea typeface="Times New Roman" panose="02020603050405020304" pitchFamily="18" charset="0"/>
@@ -7117,7 +7198,7 @@
               </a:rPr>
               <a:t> product detail page</a:t>
             </a:r>
-            <a:endParaRPr lang="en-GB" sz="3200" dirty="0">
+            <a:endParaRPr lang="en-GB" sz="2400" dirty="0">
               <a:effectLst/>
               <a:latin typeface="Gill Sans MT (Body)"/>
               <a:ea typeface="Calibri" panose="020F0502020204030204" pitchFamily="34" charset="0"/>
@@ -7130,7 +7211,7 @@
               <a:buChar char="ü"/>
             </a:pPr>
             <a:r>
-              <a:rPr lang="vi-VN" sz="3200" dirty="0">
+              <a:rPr lang="vi-VN" sz="2400" dirty="0">
                 <a:latin typeface="Gill Sans MT (Body)"/>
                 <a:ea typeface="Times New Roman" panose="02020603050405020304" pitchFamily="18" charset="0"/>
                 <a:cs typeface="Times New Roman" panose="02020603050405020304" pitchFamily="18" charset="0"/>
@@ -7138,7 +7219,7 @@
               <a:t>V</a:t>
             </a:r>
             <a:r>
-              <a:rPr lang="en-GB" sz="3200" dirty="0" err="1">
+              <a:rPr lang="en-GB" sz="2400" dirty="0" err="1">
                 <a:effectLst/>
                 <a:latin typeface="Gill Sans MT (Body)"/>
                 <a:ea typeface="Times New Roman" panose="02020603050405020304" pitchFamily="18" charset="0"/>
@@ -7147,7 +7228,7 @@
               <a:t>isit</a:t>
             </a:r>
             <a:r>
-              <a:rPr lang="en-GB" sz="3200" dirty="0">
+              <a:rPr lang="en-GB" sz="2400" dirty="0">
                 <a:effectLst/>
                 <a:latin typeface="Gill Sans MT (Body)"/>
                 <a:ea typeface="Times New Roman" panose="02020603050405020304" pitchFamily="18" charset="0"/>
@@ -7155,7 +7236,7 @@
               </a:rPr>
               <a:t> the about page</a:t>
             </a:r>
-            <a:endParaRPr lang="en-GB" sz="3200" dirty="0">
+            <a:endParaRPr lang="en-GB" sz="2400" dirty="0">
               <a:effectLst/>
               <a:latin typeface="Gill Sans MT (Body)"/>
               <a:ea typeface="Calibri" panose="020F0502020204030204" pitchFamily="34" charset="0"/>
@@ -7181,8 +7262,8 @@
         </p:nvSpPr>
         <p:spPr>
           <a:xfrm>
-            <a:off x="6456255" y="2007295"/>
-            <a:ext cx="5111262" cy="5111784"/>
+            <a:off x="4126320" y="1987006"/>
+            <a:ext cx="3750365" cy="3925883"/>
           </a:xfrm>
           <a:prstGeom prst="rect">
             <a:avLst/>
@@ -7207,7 +7288,7 @@
               </a:spcAft>
             </a:pPr>
             <a:r>
-              <a:rPr lang="en-GB" sz="3200" dirty="0">
+              <a:rPr lang="en-GB" sz="2400" dirty="0">
                 <a:effectLst/>
                 <a:latin typeface="Gill Sans MT (Body)"/>
                 <a:ea typeface="Times New Roman" panose="02020603050405020304" pitchFamily="18" charset="0"/>
@@ -7228,7 +7309,7 @@
                 <a:spcPts val="0"/>
               </a:spcAft>
             </a:pPr>
-            <a:endParaRPr lang="en-GB" sz="3200" dirty="0">
+            <a:endParaRPr lang="en-GB" sz="2400" dirty="0">
               <a:effectLst/>
               <a:latin typeface="Gill Sans MT (Body)"/>
               <a:ea typeface="Times New Roman" panose="02020603050405020304" pitchFamily="18" charset="0"/>
@@ -7250,7 +7331,7 @@
               <a:buChar char="ü"/>
             </a:pPr>
             <a:r>
-              <a:rPr lang="en-GB" sz="3200" dirty="0">
+              <a:rPr lang="en-GB" sz="2400" dirty="0">
                 <a:effectLst/>
                 <a:latin typeface="Gill Sans MT (Body)"/>
                 <a:ea typeface="Times New Roman" panose="02020603050405020304" pitchFamily="18" charset="0"/>
@@ -7274,7 +7355,7 @@
               <a:buChar char="ü"/>
             </a:pPr>
             <a:r>
-              <a:rPr lang="en-GB" sz="3200" dirty="0">
+              <a:rPr lang="en-GB" sz="2400" dirty="0">
                 <a:effectLst/>
                 <a:latin typeface="Gill Sans MT (Body)"/>
                 <a:ea typeface="Times New Roman" panose="02020603050405020304" pitchFamily="18" charset="0"/>
@@ -7298,7 +7379,7 @@
               <a:buChar char="ü"/>
             </a:pPr>
             <a:r>
-              <a:rPr lang="en-GB" sz="3200" dirty="0">
+              <a:rPr lang="en-GB" sz="2400" dirty="0">
                 <a:effectLst/>
                 <a:latin typeface="Gill Sans MT (Body)"/>
                 <a:ea typeface="Times New Roman" panose="02020603050405020304" pitchFamily="18" charset="0"/>
@@ -7322,7 +7403,7 @@
               <a:buChar char="ü"/>
             </a:pPr>
             <a:r>
-              <a:rPr lang="en-GB" sz="3200" dirty="0">
+              <a:rPr lang="en-GB" sz="2400" dirty="0">
                 <a:latin typeface="Gill Sans MT (Body)"/>
                 <a:ea typeface="Times New Roman" panose="02020603050405020304" pitchFamily="18" charset="0"/>
                 <a:cs typeface="Times New Roman" panose="02020603050405020304" pitchFamily="18" charset="0"/>
@@ -7330,7 +7411,7 @@
               <a:t>C</a:t>
             </a:r>
             <a:r>
-              <a:rPr lang="en-GB" sz="3200" dirty="0">
+              <a:rPr lang="en-GB" sz="2400" dirty="0">
                 <a:effectLst/>
                 <a:latin typeface="Gill Sans MT (Body)"/>
                 <a:ea typeface="Times New Roman" panose="02020603050405020304" pitchFamily="18" charset="0"/>
@@ -7338,7 +7419,7 @@
               </a:rPr>
               <a:t>hange password and recover password</a:t>
             </a:r>
-            <a:endParaRPr lang="vi-VN" sz="3200" dirty="0">
+            <a:endParaRPr lang="vi-VN" sz="2400" dirty="0">
               <a:effectLst/>
               <a:latin typeface="Gill Sans MT (Body)"/>
               <a:ea typeface="Times New Roman" panose="02020603050405020304" pitchFamily="18" charset="0"/>
@@ -7360,14 +7441,304 @@
               <a:buChar char="ü"/>
             </a:pPr>
             <a:r>
-              <a:rPr lang="vi-VN" sz="3200" dirty="0">
+              <a:rPr lang="vi-VN" sz="2400" dirty="0">
                 <a:latin typeface="Gill Sans MT (Body)"/>
                 <a:ea typeface="Times New Roman" panose="02020603050405020304" pitchFamily="18" charset="0"/>
                 <a:cs typeface="Times New Roman" panose="02020603050405020304" pitchFamily="18" charset="0"/>
               </a:rPr>
               <a:t>View profile</a:t>
             </a:r>
-            <a:endParaRPr lang="en-GB" sz="3200" dirty="0">
+            <a:endParaRPr lang="en-GB" sz="2400" dirty="0">
+              <a:effectLst/>
+              <a:latin typeface="Gill Sans MT (Body)"/>
+              <a:ea typeface="Times New Roman" panose="02020603050405020304" pitchFamily="18" charset="0"/>
+              <a:cs typeface="Times New Roman" panose="02020603050405020304" pitchFamily="18" charset="0"/>
+            </a:endParaRPr>
+          </a:p>
+          <a:p>
+            <a:endParaRPr lang="en-GB" dirty="0"/>
+          </a:p>
+        </p:txBody>
+      </p:sp>
+      <p:sp>
+        <p:nvSpPr>
+          <p:cNvPr id="2" name="TextBox 1">
+            <a:extLst>
+              <a:ext uri="{FF2B5EF4-FFF2-40B4-BE49-F238E27FC236}">
+                <a16:creationId xmlns:a16="http://schemas.microsoft.com/office/drawing/2014/main" id="{3C8F771F-1F47-BA8B-A959-2E990883E5C8}"/>
+              </a:ext>
+            </a:extLst>
+          </p:cNvPr>
+          <p:cNvSpPr txBox="1"/>
+          <p:nvPr/>
+        </p:nvSpPr>
+        <p:spPr>
+          <a:xfrm>
+            <a:off x="8065681" y="2025944"/>
+            <a:ext cx="3207026" cy="764505"/>
+          </a:xfrm>
+          <a:prstGeom prst="rect">
+            <a:avLst/>
+          </a:prstGeom>
+          <a:noFill/>
+        </p:spPr>
+        <p:txBody>
+          <a:bodyPr wrap="square" rtlCol="0">
+            <a:spAutoFit/>
+          </a:bodyPr>
+          <a:lstStyle/>
+          <a:p>
+            <a:pPr marL="457200" marR="0" fontAlgn="base">
+              <a:lnSpc>
+                <a:spcPct val="107000"/>
+              </a:lnSpc>
+              <a:spcBef>
+                <a:spcPts val="0"/>
+              </a:spcBef>
+              <a:spcAft>
+                <a:spcPts val="0"/>
+              </a:spcAft>
+            </a:pPr>
+            <a:endParaRPr lang="en-US" sz="2400" dirty="0">
+              <a:effectLst/>
+              <a:latin typeface="Gill Sans MT (Body)"/>
+              <a:ea typeface="Times New Roman" panose="02020603050405020304" pitchFamily="18" charset="0"/>
+              <a:cs typeface="Times New Roman" panose="02020603050405020304" pitchFamily="18" charset="0"/>
+            </a:endParaRPr>
+          </a:p>
+          <a:p>
+            <a:endParaRPr lang="en-GB" dirty="0"/>
+          </a:p>
+        </p:txBody>
+      </p:sp>
+      <p:sp>
+        <p:nvSpPr>
+          <p:cNvPr id="3" name="TextBox 2">
+            <a:extLst>
+              <a:ext uri="{FF2B5EF4-FFF2-40B4-BE49-F238E27FC236}">
+                <a16:creationId xmlns:a16="http://schemas.microsoft.com/office/drawing/2014/main" id="{66F79204-005F-2031-912F-A24B189BD6FB}"/>
+              </a:ext>
+            </a:extLst>
+          </p:cNvPr>
+          <p:cNvSpPr txBox="1"/>
+          <p:nvPr/>
+        </p:nvSpPr>
+        <p:spPr>
+          <a:xfrm>
+            <a:off x="8261814" y="1986184"/>
+            <a:ext cx="3750365" cy="3135538"/>
+          </a:xfrm>
+          <a:prstGeom prst="rect">
+            <a:avLst/>
+          </a:prstGeom>
+          <a:noFill/>
+        </p:spPr>
+        <p:txBody>
+          <a:bodyPr wrap="square" rtlCol="0">
+            <a:spAutoFit/>
+          </a:bodyPr>
+          <a:lstStyle/>
+          <a:p>
+            <a:pPr marL="0" marR="0">
+              <a:lnSpc>
+                <a:spcPct val="107000"/>
+              </a:lnSpc>
+              <a:spcBef>
+                <a:spcPts val="0"/>
+              </a:spcBef>
+              <a:spcAft>
+                <a:spcPts val="0"/>
+              </a:spcAft>
+            </a:pPr>
+            <a:r>
+              <a:rPr lang="en-GB" sz="2400" dirty="0">
+                <a:latin typeface="Gill Sans MT (Body)"/>
+                <a:ea typeface="Times New Roman" panose="02020603050405020304" pitchFamily="18" charset="0"/>
+                <a:cs typeface="Times New Roman" panose="02020603050405020304" pitchFamily="18" charset="0"/>
+              </a:rPr>
+              <a:t>Admin</a:t>
+            </a:r>
+            <a:r>
+              <a:rPr lang="en-GB" sz="2400" dirty="0">
+                <a:effectLst/>
+                <a:latin typeface="Gill Sans MT (Body)"/>
+                <a:ea typeface="Times New Roman" panose="02020603050405020304" pitchFamily="18" charset="0"/>
+                <a:cs typeface="Times New Roman" panose="02020603050405020304" pitchFamily="18" charset="0"/>
+              </a:rPr>
+              <a:t>:</a:t>
+            </a:r>
+          </a:p>
+          <a:p>
+            <a:pPr marR="0">
+              <a:lnSpc>
+                <a:spcPct val="107000"/>
+              </a:lnSpc>
+              <a:spcBef>
+                <a:spcPts val="0"/>
+              </a:spcBef>
+              <a:spcAft>
+                <a:spcPts val="0"/>
+              </a:spcAft>
+            </a:pPr>
+            <a:endParaRPr lang="en-GB" sz="2400" dirty="0">
+              <a:effectLst/>
+              <a:latin typeface="Gill Sans MT (Body)"/>
+              <a:ea typeface="Times New Roman" panose="02020603050405020304" pitchFamily="18" charset="0"/>
+              <a:cs typeface="Times New Roman" panose="02020603050405020304" pitchFamily="18" charset="0"/>
+            </a:endParaRPr>
+          </a:p>
+          <a:p>
+            <a:pPr marL="342900" marR="0" indent="-342900">
+              <a:lnSpc>
+                <a:spcPct val="107000"/>
+              </a:lnSpc>
+              <a:spcBef>
+                <a:spcPts val="0"/>
+              </a:spcBef>
+              <a:spcAft>
+                <a:spcPts val="0"/>
+              </a:spcAft>
+              <a:buFont typeface="Wingdings" panose="05000000000000000000" pitchFamily="2" charset="2"/>
+              <a:buChar char="ü"/>
+            </a:pPr>
+            <a:r>
+              <a:rPr lang="en-GB" sz="2400" dirty="0">
+                <a:latin typeface="Gill Sans MT (Body)"/>
+                <a:ea typeface="Times New Roman" panose="02020603050405020304" pitchFamily="18" charset="0"/>
+                <a:cs typeface="Times New Roman" panose="02020603050405020304" pitchFamily="18" charset="0"/>
+              </a:rPr>
+              <a:t>Products management</a:t>
+            </a:r>
+            <a:endParaRPr lang="en-GB" sz="2400" dirty="0">
+              <a:effectLst/>
+              <a:latin typeface="Gill Sans MT (Body)"/>
+              <a:ea typeface="Times New Roman" panose="02020603050405020304" pitchFamily="18" charset="0"/>
+              <a:cs typeface="Times New Roman" panose="02020603050405020304" pitchFamily="18" charset="0"/>
+            </a:endParaRPr>
+          </a:p>
+          <a:p>
+            <a:pPr marL="342900" marR="0" indent="-342900">
+              <a:lnSpc>
+                <a:spcPct val="107000"/>
+              </a:lnSpc>
+              <a:spcBef>
+                <a:spcPts val="0"/>
+              </a:spcBef>
+              <a:spcAft>
+                <a:spcPts val="0"/>
+              </a:spcAft>
+              <a:buFont typeface="Wingdings" panose="05000000000000000000" pitchFamily="2" charset="2"/>
+              <a:buChar char="ü"/>
+            </a:pPr>
+            <a:r>
+              <a:rPr lang="en-GB" sz="2400" dirty="0">
+                <a:latin typeface="Gill Sans MT (Body)"/>
+                <a:ea typeface="Times New Roman" panose="02020603050405020304" pitchFamily="18" charset="0"/>
+                <a:cs typeface="Times New Roman" panose="02020603050405020304" pitchFamily="18" charset="0"/>
+              </a:rPr>
+              <a:t>Add Products</a:t>
+            </a:r>
+            <a:endParaRPr lang="en-GB" sz="2400" dirty="0">
+              <a:effectLst/>
+              <a:latin typeface="Gill Sans MT (Body)"/>
+              <a:ea typeface="Times New Roman" panose="02020603050405020304" pitchFamily="18" charset="0"/>
+              <a:cs typeface="Times New Roman" panose="02020603050405020304" pitchFamily="18" charset="0"/>
+            </a:endParaRPr>
+          </a:p>
+          <a:p>
+            <a:pPr marL="342900" marR="0" indent="-342900">
+              <a:lnSpc>
+                <a:spcPct val="107000"/>
+              </a:lnSpc>
+              <a:spcBef>
+                <a:spcPts val="0"/>
+              </a:spcBef>
+              <a:spcAft>
+                <a:spcPts val="0"/>
+              </a:spcAft>
+              <a:buFont typeface="Wingdings" panose="05000000000000000000" pitchFamily="2" charset="2"/>
+              <a:buChar char="ü"/>
+            </a:pPr>
+            <a:r>
+              <a:rPr lang="en-GB" sz="2400" dirty="0">
+                <a:effectLst/>
+                <a:latin typeface="Gill Sans MT (Body)"/>
+                <a:ea typeface="Times New Roman" panose="02020603050405020304" pitchFamily="18" charset="0"/>
+                <a:cs typeface="Times New Roman" panose="02020603050405020304" pitchFamily="18" charset="0"/>
+              </a:rPr>
+              <a:t>Add Brands</a:t>
+            </a:r>
+            <a:endParaRPr lang="vi-VN" sz="2400" dirty="0">
+              <a:effectLst/>
+              <a:latin typeface="Gill Sans MT (Body)"/>
+              <a:ea typeface="Times New Roman" panose="02020603050405020304" pitchFamily="18" charset="0"/>
+              <a:cs typeface="Times New Roman" panose="02020603050405020304" pitchFamily="18" charset="0"/>
+            </a:endParaRPr>
+          </a:p>
+          <a:p>
+            <a:pPr marL="342900" marR="0" indent="-342900">
+              <a:lnSpc>
+                <a:spcPct val="107000"/>
+              </a:lnSpc>
+              <a:spcBef>
+                <a:spcPts val="0"/>
+              </a:spcBef>
+              <a:spcAft>
+                <a:spcPts val="0"/>
+              </a:spcAft>
+              <a:buFont typeface="Wingdings" panose="05000000000000000000" pitchFamily="2" charset="2"/>
+              <a:buChar char="ü"/>
+            </a:pPr>
+            <a:r>
+              <a:rPr lang="en-US" sz="2400" dirty="0">
+                <a:effectLst/>
+                <a:latin typeface="Gill Sans MT (Body)"/>
+                <a:ea typeface="Times New Roman" panose="02020603050405020304" pitchFamily="18" charset="0"/>
+                <a:cs typeface="Times New Roman" panose="02020603050405020304" pitchFamily="18" charset="0"/>
+              </a:rPr>
+              <a:t>Orders </a:t>
+            </a:r>
+            <a:r>
+              <a:rPr lang="en-US" sz="2400" dirty="0">
+                <a:latin typeface="Gill Sans MT (Body)"/>
+                <a:ea typeface="Times New Roman" panose="02020603050405020304" pitchFamily="18" charset="0"/>
+                <a:cs typeface="Times New Roman" panose="02020603050405020304" pitchFamily="18" charset="0"/>
+              </a:rPr>
+              <a:t>m</a:t>
+            </a:r>
+            <a:r>
+              <a:rPr lang="en-US" sz="2400" dirty="0">
+                <a:effectLst/>
+                <a:latin typeface="Gill Sans MT (Body)"/>
+                <a:ea typeface="Times New Roman" panose="02020603050405020304" pitchFamily="18" charset="0"/>
+                <a:cs typeface="Times New Roman" panose="02020603050405020304" pitchFamily="18" charset="0"/>
+              </a:rPr>
+              <a:t>anagement</a:t>
+            </a:r>
+          </a:p>
+          <a:p>
+            <a:pPr marL="342900" marR="0" indent="-342900">
+              <a:lnSpc>
+                <a:spcPct val="107000"/>
+              </a:lnSpc>
+              <a:spcBef>
+                <a:spcPts val="0"/>
+              </a:spcBef>
+              <a:spcAft>
+                <a:spcPts val="0"/>
+              </a:spcAft>
+              <a:buFont typeface="Wingdings" panose="05000000000000000000" pitchFamily="2" charset="2"/>
+              <a:buChar char="ü"/>
+            </a:pPr>
+            <a:r>
+              <a:rPr lang="en-US" sz="2400" dirty="0">
+                <a:latin typeface="Gill Sans MT (Body)"/>
+                <a:ea typeface="Times New Roman" panose="02020603050405020304" pitchFamily="18" charset="0"/>
+                <a:cs typeface="Times New Roman" panose="02020603050405020304" pitchFamily="18" charset="0"/>
+              </a:rPr>
+              <a:t>Users management</a:t>
+            </a:r>
+            <a:endParaRPr lang="en-GB" sz="2400" dirty="0">
               <a:effectLst/>
               <a:latin typeface="Gill Sans MT (Body)"/>
               <a:ea typeface="Times New Roman" panose="02020603050405020304" pitchFamily="18" charset="0"/>
@@ -7654,6 +8025,162 @@
           <p:cNvPr id="4" name="TextBox 3">
             <a:extLst>
               <a:ext uri="{FF2B5EF4-FFF2-40B4-BE49-F238E27FC236}">
+                <a16:creationId xmlns:a16="http://schemas.microsoft.com/office/drawing/2014/main" id="{4B78EC02-1DB1-5C2E-51BE-CE5D96850261}"/>
+              </a:ext>
+            </a:extLst>
+          </p:cNvPr>
+          <p:cNvSpPr txBox="1"/>
+          <p:nvPr/>
+        </p:nvSpPr>
+        <p:spPr>
+          <a:xfrm>
+            <a:off x="759655" y="492369"/>
+            <a:ext cx="5036234" cy="584775"/>
+          </a:xfrm>
+          <a:prstGeom prst="rect">
+            <a:avLst/>
+          </a:prstGeom>
+          <a:noFill/>
+        </p:spPr>
+        <p:txBody>
+          <a:bodyPr wrap="square" rtlCol="0">
+            <a:spAutoFit/>
+          </a:bodyPr>
+          <a:lstStyle/>
+          <a:p>
+            <a:pPr marL="0" marR="0" lvl="0" indent="0" algn="l" defTabSz="457200" rtl="0" eaLnBrk="1" fontAlgn="auto" latinLnBrk="0" hangingPunct="1">
+              <a:lnSpc>
+                <a:spcPct val="100000"/>
+              </a:lnSpc>
+              <a:spcBef>
+                <a:spcPts val="0"/>
+              </a:spcBef>
+              <a:spcAft>
+                <a:spcPts val="0"/>
+              </a:spcAft>
+              <a:buClrTx/>
+              <a:buSzTx/>
+              <a:buFontTx/>
+              <a:buNone/>
+              <a:tabLst/>
+              <a:defRPr/>
+            </a:pPr>
+            <a:r>
+              <a:rPr kumimoji="0" lang="en-US" sz="3200" b="0" i="0" u="none" strike="noStrike" kern="1200" cap="none" spc="0" normalizeH="0" baseline="0" noProof="0" dirty="0">
+                <a:ln>
+                  <a:noFill/>
+                </a:ln>
+                <a:solidFill>
+                  <a:prstClr val="white"/>
+                </a:solidFill>
+                <a:effectLst/>
+                <a:uLnTx/>
+                <a:uFillTx/>
+                <a:latin typeface="Calibri" panose="020F0502020204030204"/>
+                <a:ea typeface="+mn-ea"/>
+                <a:cs typeface="+mn-cs"/>
+              </a:rPr>
+              <a:t>Admin Site Map</a:t>
+            </a:r>
+            <a:endParaRPr kumimoji="0" lang="en-GB" sz="1800" b="0" i="0" u="none" strike="noStrike" kern="1200" cap="none" spc="0" normalizeH="0" baseline="0" noProof="0" dirty="0">
+              <a:ln>
+                <a:noFill/>
+              </a:ln>
+              <a:solidFill>
+                <a:prstClr val="white"/>
+              </a:solidFill>
+              <a:effectLst/>
+              <a:uLnTx/>
+              <a:uFillTx/>
+              <a:latin typeface="Calibri" panose="020F0502020204030204"/>
+              <a:ea typeface="+mn-ea"/>
+              <a:cs typeface="+mn-cs"/>
+            </a:endParaRPr>
+          </a:p>
+        </p:txBody>
+      </p:sp>
+      <p:pic>
+        <p:nvPicPr>
+          <p:cNvPr id="5" name="Picture 4">
+            <a:extLst>
+              <a:ext uri="{FF2B5EF4-FFF2-40B4-BE49-F238E27FC236}">
+                <a16:creationId xmlns:a16="http://schemas.microsoft.com/office/drawing/2014/main" id="{7AA4BF5D-6683-400B-7C5C-A86178151958}"/>
+              </a:ext>
+            </a:extLst>
+          </p:cNvPr>
+          <p:cNvPicPr>
+            <a:picLocks noChangeAspect="1"/>
+          </p:cNvPicPr>
+          <p:nvPr/>
+        </p:nvPicPr>
+        <p:blipFill>
+          <a:blip r:embed="rId2">
+            <a:extLst>
+              <a:ext uri="{28A0092B-C50C-407E-A947-70E740481C1C}">
+                <a14:useLocalDpi xmlns:a14="http://schemas.microsoft.com/office/drawing/2010/main" val="0"/>
+              </a:ext>
+            </a:extLst>
+          </a:blip>
+          <a:srcRect/>
+          <a:stretch/>
+        </p:blipFill>
+        <p:spPr>
+          <a:xfrm>
+            <a:off x="911088" y="2048304"/>
+            <a:ext cx="10075700" cy="3190859"/>
+          </a:xfrm>
+          <a:prstGeom prst="rect">
+            <a:avLst/>
+          </a:prstGeom>
+        </p:spPr>
+      </p:pic>
+    </p:spTree>
+    <p:extLst>
+      <p:ext uri="{BB962C8B-B14F-4D97-AF65-F5344CB8AC3E}">
+        <p14:creationId xmlns:p14="http://schemas.microsoft.com/office/powerpoint/2010/main" val="2605305578"/>
+      </p:ext>
+    </p:extLst>
+  </p:cSld>
+  <p:clrMapOvr>
+    <a:masterClrMapping/>
+  </p:clrMapOvr>
+  <mc:AlternateContent xmlns:mc="http://schemas.openxmlformats.org/markup-compatibility/2006" xmlns:p14="http://schemas.microsoft.com/office/powerpoint/2010/main">
+    <mc:Choice Requires="p14">
+      <p:transition spd="slow" p14:dur="1500">
+        <p:split orient="vert"/>
+      </p:transition>
+    </mc:Choice>
+    <mc:Fallback xmlns="">
+      <p:transition spd="slow">
+        <p:split orient="vert"/>
+      </p:transition>
+    </mc:Fallback>
+  </mc:AlternateContent>
+</p:sld>
+</file>
+
+<file path=ppt/slides/slide9.xml><?xml version="1.0" encoding="utf-8"?>
+<p:sld xmlns:a="http://schemas.openxmlformats.org/drawingml/2006/main" xmlns:r="http://schemas.openxmlformats.org/officeDocument/2006/relationships" xmlns:p="http://schemas.openxmlformats.org/presentationml/2006/main">
+  <p:cSld>
+    <p:spTree>
+      <p:nvGrpSpPr>
+        <p:cNvPr id="1" name=""/>
+        <p:cNvGrpSpPr/>
+        <p:nvPr/>
+      </p:nvGrpSpPr>
+      <p:grpSpPr>
+        <a:xfrm>
+          <a:off x="0" y="0"/>
+          <a:ext cx="0" cy="0"/>
+          <a:chOff x="0" y="0"/>
+          <a:chExt cx="0" cy="0"/>
+        </a:xfrm>
+      </p:grpSpPr>
+      <p:sp>
+        <p:nvSpPr>
+          <p:cNvPr id="4" name="TextBox 3">
+            <a:extLst>
+              <a:ext uri="{FF2B5EF4-FFF2-40B4-BE49-F238E27FC236}">
                 <a16:creationId xmlns:a16="http://schemas.microsoft.com/office/drawing/2014/main" id="{2F338EC5-C8BA-399A-E0B8-28AB65909A75}"/>
               </a:ext>
             </a:extLst>
@@ -7859,86 +8386,6 @@
   <p:transition spd="slow">
     <p:wipe/>
   </p:transition>
-</p:sld>
-</file>
-
-<file path=ppt/slides/slide9.xml><?xml version="1.0" encoding="utf-8"?>
-<p:sld xmlns:a="http://schemas.openxmlformats.org/drawingml/2006/main" xmlns:r="http://schemas.openxmlformats.org/officeDocument/2006/relationships" xmlns:p="http://schemas.openxmlformats.org/presentationml/2006/main">
-  <p:cSld>
-    <p:spTree>
-      <p:nvGrpSpPr>
-        <p:cNvPr id="1" name=""/>
-        <p:cNvGrpSpPr/>
-        <p:nvPr/>
-      </p:nvGrpSpPr>
-      <p:grpSpPr>
-        <a:xfrm>
-          <a:off x="0" y="0"/>
-          <a:ext cx="0" cy="0"/>
-          <a:chOff x="0" y="0"/>
-          <a:chExt cx="0" cy="0"/>
-        </a:xfrm>
-      </p:grpSpPr>
-      <p:sp>
-        <p:nvSpPr>
-          <p:cNvPr id="5" name="TextBox 4">
-            <a:extLst>
-              <a:ext uri="{FF2B5EF4-FFF2-40B4-BE49-F238E27FC236}">
-                <a16:creationId xmlns:a16="http://schemas.microsoft.com/office/drawing/2014/main" id="{B74F7656-EFDB-3AFB-0523-56EBD4FAA270}"/>
-              </a:ext>
-            </a:extLst>
-          </p:cNvPr>
-          <p:cNvSpPr txBox="1"/>
-          <p:nvPr/>
-        </p:nvSpPr>
-        <p:spPr>
-          <a:xfrm>
-            <a:off x="3046828" y="2644170"/>
-            <a:ext cx="6098344" cy="1569660"/>
-          </a:xfrm>
-          <a:prstGeom prst="rect">
-            <a:avLst/>
-          </a:prstGeom>
-          <a:noFill/>
-        </p:spPr>
-        <p:txBody>
-          <a:bodyPr wrap="square">
-            <a:spAutoFit/>
-          </a:bodyPr>
-          <a:lstStyle/>
-          <a:p>
-            <a:pPr marL="0" indent="0" algn="ctr">
-              <a:buNone/>
-            </a:pPr>
-            <a:r>
-              <a:rPr lang="en-US" sz="9600" dirty="0"/>
-              <a:t>Q&amp;A</a:t>
-            </a:r>
-          </a:p>
-        </p:txBody>
-      </p:sp>
-    </p:spTree>
-    <p:extLst>
-      <p:ext uri="{BB962C8B-B14F-4D97-AF65-F5344CB8AC3E}">
-        <p14:creationId xmlns:p14="http://schemas.microsoft.com/office/powerpoint/2010/main" val="1056517732"/>
-      </p:ext>
-    </p:extLst>
-  </p:cSld>
-  <p:clrMapOvr>
-    <a:masterClrMapping/>
-  </p:clrMapOvr>
-  <mc:AlternateContent xmlns:mc="http://schemas.openxmlformats.org/markup-compatibility/2006" xmlns:p14="http://schemas.microsoft.com/office/powerpoint/2010/main">
-    <mc:Choice Requires="p14">
-      <p:transition spd="med" p14:dur="700">
-        <p:fade/>
-      </p:transition>
-    </mc:Choice>
-    <mc:Fallback xmlns="">
-      <p:transition spd="med">
-        <p:fade/>
-      </p:transition>
-    </mc:Fallback>
-  </mc:AlternateContent>
 </p:sld>
 </file>
 
